--- a/3_implementation/08.TutorialOnEM/artifact/ConditionalMixtureModel.pptx
+++ b/3_implementation/08.TutorialOnEM/artifact/ConditionalMixtureModel.pptx
@@ -236,7 +236,7 @@
           <a:p>
             <a:fld id="{676B30CB-839A-47A6-9532-260122BEAE9C}" type="datetimeFigureOut">
               <a:rPr lang="en-US" smtClean="0"/>
-              <a:t>1/18/2024</a:t>
+              <a:t>19/01/2024</a:t>
             </a:fld>
             <a:endParaRPr lang="en-US"/>
           </a:p>
@@ -413,7 +413,7 @@
           <a:p>
             <a:fld id="{8E6BD8EF-833A-4756-9DE8-262172883D9B}" type="datetimeFigureOut">
               <a:rPr lang="en-US" smtClean="0"/>
-              <a:t>1/18/2024</a:t>
+              <a:t>19/01/2024</a:t>
             </a:fld>
             <a:endParaRPr lang="en-US"/>
           </a:p>
@@ -1075,10 +1075,9 @@
           </a:lstStyle>
           <a:p>
             <a:r>
-              <a:rPr lang="en-US" smtClean="0"/>
+              <a:rPr lang="en-US"/>
               <a:t>1/18/2024</a:t>
             </a:r>
-            <a:endParaRPr lang="en-US"/>
           </a:p>
         </p:txBody>
       </p:sp>
@@ -1105,10 +1104,9 @@
           </a:lstStyle>
           <a:p>
             <a:r>
-              <a:rPr lang="en-US" smtClean="0"/>
+              <a:rPr lang="en-US"/>
               <a:t>CMM - Loc Nguyen</a:t>
             </a:r>
-            <a:endParaRPr lang="en-US"/>
           </a:p>
         </p:txBody>
       </p:sp>
@@ -1307,10 +1305,9 @@
           </a:lstStyle>
           <a:p>
             <a:r>
-              <a:rPr lang="en-US" smtClean="0"/>
+              <a:rPr lang="en-US"/>
               <a:t>1/18/2024</a:t>
             </a:r>
-            <a:endParaRPr lang="en-US"/>
           </a:p>
         </p:txBody>
       </p:sp>
@@ -1337,10 +1334,9 @@
           </a:lstStyle>
           <a:p>
             <a:r>
-              <a:rPr lang="en-US" smtClean="0"/>
+              <a:rPr lang="en-US"/>
               <a:t>CMM - Loc Nguyen</a:t>
             </a:r>
-            <a:endParaRPr lang="en-US"/>
           </a:p>
         </p:txBody>
       </p:sp>
@@ -1549,10 +1545,9 @@
           </a:lstStyle>
           <a:p>
             <a:r>
-              <a:rPr lang="en-US" smtClean="0"/>
+              <a:rPr lang="en-US"/>
               <a:t>1/18/2024</a:t>
             </a:r>
-            <a:endParaRPr lang="en-US"/>
           </a:p>
         </p:txBody>
       </p:sp>
@@ -1579,10 +1574,9 @@
           </a:lstStyle>
           <a:p>
             <a:r>
-              <a:rPr lang="en-US" smtClean="0"/>
+              <a:rPr lang="en-US"/>
               <a:t>CMM - Loc Nguyen</a:t>
             </a:r>
-            <a:endParaRPr lang="en-US"/>
           </a:p>
         </p:txBody>
       </p:sp>
@@ -1824,10 +1818,9 @@
           </a:lstStyle>
           <a:p>
             <a:r>
-              <a:rPr lang="en-US" smtClean="0"/>
+              <a:rPr lang="en-US"/>
               <a:t>1/18/2024</a:t>
             </a:r>
-            <a:endParaRPr lang="en-US"/>
           </a:p>
         </p:txBody>
       </p:sp>
@@ -1854,10 +1847,9 @@
           </a:lstStyle>
           <a:p>
             <a:r>
-              <a:rPr lang="en-US" smtClean="0"/>
+              <a:rPr lang="en-US"/>
               <a:t>CMM - Loc Nguyen</a:t>
             </a:r>
-            <a:endParaRPr lang="en-US"/>
           </a:p>
         </p:txBody>
       </p:sp>
@@ -2100,10 +2092,9 @@
           </a:lstStyle>
           <a:p>
             <a:r>
-              <a:rPr lang="en-US" smtClean="0"/>
+              <a:rPr lang="en-US"/>
               <a:t>1/18/2024</a:t>
             </a:r>
-            <a:endParaRPr lang="en-US"/>
           </a:p>
         </p:txBody>
       </p:sp>
@@ -2130,10 +2121,9 @@
           </a:lstStyle>
           <a:p>
             <a:r>
-              <a:rPr lang="en-US" smtClean="0"/>
+              <a:rPr lang="en-US"/>
               <a:t>CMM - Loc Nguyen</a:t>
             </a:r>
-            <a:endParaRPr lang="en-US"/>
           </a:p>
         </p:txBody>
       </p:sp>
@@ -2424,10 +2414,9 @@
           </a:lstStyle>
           <a:p>
             <a:r>
-              <a:rPr lang="en-US" smtClean="0"/>
+              <a:rPr lang="en-US"/>
               <a:t>1/18/2024</a:t>
             </a:r>
-            <a:endParaRPr lang="en-US"/>
           </a:p>
         </p:txBody>
       </p:sp>
@@ -2454,10 +2443,9 @@
           </a:lstStyle>
           <a:p>
             <a:r>
-              <a:rPr lang="en-US" smtClean="0"/>
+              <a:rPr lang="en-US"/>
               <a:t>CMM - Loc Nguyen</a:t>
             </a:r>
-            <a:endParaRPr lang="en-US"/>
           </a:p>
         </p:txBody>
       </p:sp>
@@ -2889,10 +2877,9 @@
           </a:lstStyle>
           <a:p>
             <a:r>
-              <a:rPr lang="en-US" smtClean="0"/>
+              <a:rPr lang="en-US"/>
               <a:t>1/18/2024</a:t>
             </a:r>
-            <a:endParaRPr lang="en-US"/>
           </a:p>
         </p:txBody>
       </p:sp>
@@ -2919,10 +2906,9 @@
           </a:lstStyle>
           <a:p>
             <a:r>
-              <a:rPr lang="en-US" smtClean="0"/>
+              <a:rPr lang="en-US"/>
               <a:t>CMM - Loc Nguyen</a:t>
             </a:r>
-            <a:endParaRPr lang="en-US"/>
           </a:p>
         </p:txBody>
       </p:sp>
@@ -3039,10 +3025,9 @@
           </a:lstStyle>
           <a:p>
             <a:r>
-              <a:rPr lang="en-US" smtClean="0"/>
+              <a:rPr lang="en-US"/>
               <a:t>1/18/2024</a:t>
             </a:r>
-            <a:endParaRPr lang="en-US"/>
           </a:p>
         </p:txBody>
       </p:sp>
@@ -3069,10 +3054,9 @@
           </a:lstStyle>
           <a:p>
             <a:r>
-              <a:rPr lang="en-US" smtClean="0"/>
+              <a:rPr lang="en-US"/>
               <a:t>CMM - Loc Nguyen</a:t>
             </a:r>
-            <a:endParaRPr lang="en-US"/>
           </a:p>
         </p:txBody>
       </p:sp>
@@ -3160,10 +3144,9 @@
           </a:lstStyle>
           <a:p>
             <a:r>
-              <a:rPr lang="en-US" smtClean="0"/>
+              <a:rPr lang="en-US"/>
               <a:t>1/18/2024</a:t>
             </a:r>
-            <a:endParaRPr lang="en-US"/>
           </a:p>
         </p:txBody>
       </p:sp>
@@ -3190,10 +3173,9 @@
           </a:lstStyle>
           <a:p>
             <a:r>
-              <a:rPr lang="en-US" smtClean="0"/>
+              <a:rPr lang="en-US"/>
               <a:t>CMM - Loc Nguyen</a:t>
             </a:r>
-            <a:endParaRPr lang="en-US"/>
           </a:p>
         </p:txBody>
       </p:sp>
@@ -3482,10 +3464,9 @@
           </a:lstStyle>
           <a:p>
             <a:r>
-              <a:rPr lang="en-US" smtClean="0"/>
+              <a:rPr lang="en-US"/>
               <a:t>1/18/2024</a:t>
             </a:r>
-            <a:endParaRPr lang="en-US"/>
           </a:p>
         </p:txBody>
       </p:sp>
@@ -3512,10 +3493,9 @@
           </a:lstStyle>
           <a:p>
             <a:r>
-              <a:rPr lang="en-US" smtClean="0"/>
+              <a:rPr lang="en-US"/>
               <a:t>CMM - Loc Nguyen</a:t>
             </a:r>
-            <a:endParaRPr lang="en-US"/>
           </a:p>
         </p:txBody>
       </p:sp>
@@ -3769,10 +3749,9 @@
           </a:lstStyle>
           <a:p>
             <a:r>
-              <a:rPr lang="en-US" smtClean="0"/>
+              <a:rPr lang="en-US"/>
               <a:t>1/18/2024</a:t>
             </a:r>
-            <a:endParaRPr lang="en-US"/>
           </a:p>
         </p:txBody>
       </p:sp>
@@ -3799,10 +3778,9 @@
           </a:lstStyle>
           <a:p>
             <a:r>
-              <a:rPr lang="en-US" smtClean="0"/>
+              <a:rPr lang="en-US"/>
               <a:t>CMM - Loc Nguyen</a:t>
             </a:r>
-            <a:endParaRPr lang="en-US"/>
           </a:p>
         </p:txBody>
       </p:sp>
@@ -4001,10 +3979,9 @@
           </a:lstStyle>
           <a:p>
             <a:r>
-              <a:rPr lang="en-US" smtClean="0"/>
+              <a:rPr lang="en-US"/>
               <a:t>1/18/2024</a:t>
             </a:r>
-            <a:endParaRPr lang="en-US"/>
           </a:p>
         </p:txBody>
       </p:sp>
@@ -4044,10 +4021,9 @@
           </a:lstStyle>
           <a:p>
             <a:r>
-              <a:rPr lang="en-US" smtClean="0"/>
+              <a:rPr lang="en-US"/>
               <a:t>CMM - Loc Nguyen</a:t>
             </a:r>
-            <a:endParaRPr lang="en-US"/>
           </a:p>
         </p:txBody>
       </p:sp>
@@ -4471,30 +4447,13 @@
           <a:p>
             <a:r>
               <a:rPr lang="en-US" dirty="0"/>
-              <a:t>Prof. </a:t>
+              <a:t>Prof. Dr. Loc Nguyen, PhD, Postdoc</a:t>
             </a:r>
-            <a:r>
-              <a:rPr lang="en-US" dirty="0" smtClean="0"/>
-              <a:t>Dr. Loc Nguyen, </a:t>
-            </a:r>
-            <a:r>
-              <a:rPr lang="en-US" dirty="0"/>
-              <a:t>PhD, </a:t>
-            </a:r>
-            <a:r>
-              <a:rPr lang="en-US" dirty="0" smtClean="0"/>
-              <a:t>Postdoc</a:t>
-            </a:r>
-            <a:endParaRPr lang="en-US" dirty="0"/>
           </a:p>
           <a:p>
             <a:r>
-              <a:rPr lang="en-US" dirty="0" smtClean="0"/>
-              <a:t>Loc Nguyen’s Academic Network, </a:t>
-            </a:r>
-            <a:r>
               <a:rPr lang="en-US" dirty="0"/>
-              <a:t>Vietnam</a:t>
+              <a:t>Loc Nguyen’s Academic Network, Vietnam</a:t>
             </a:r>
           </a:p>
           <a:p>
@@ -4530,10 +4489,9 @@
           <a:lstStyle/>
           <a:p>
             <a:r>
-              <a:rPr lang="en-US" smtClean="0"/>
+              <a:rPr lang="en-US"/>
               <a:t>CMM - Loc Nguyen</a:t>
             </a:r>
-            <a:endParaRPr lang="en-US"/>
           </a:p>
         </p:txBody>
       </p:sp>
@@ -4553,10 +4511,9 @@
           <a:lstStyle/>
           <a:p>
             <a:r>
-              <a:rPr lang="en-US" smtClean="0"/>
+              <a:rPr lang="en-US"/>
               <a:t>1/18/2024</a:t>
             </a:r>
-            <a:endParaRPr lang="en-US"/>
           </a:p>
         </p:txBody>
       </p:sp>
@@ -4664,7 +4621,7 @@
                   <a:buNone/>
                 </a:pPr>
                 <a:r>
-                  <a:rPr lang="en-US" sz="2000" dirty="0" smtClean="0"/>
+                  <a:rPr lang="en-US" sz="2000" dirty="0"/>
                   <a:t>Traditional regression model is effective when data sample is scattered equally. If data points are grouped into clusters with their nature, regression model tries to learn a unified regression function which goes through all data points. Obviously, such unified function is not effective to evaluate response variable based on grouped data points. Alternately, if it is possible to select a right cluster for evaluating response variable, the value of response variable will be more precise. Therefore, selective evaluation is the main idea of adaptive regression model (ARM). The main ideology of ARM to group sample into clusters and build respective regression functions for clusters in parallel. CMM is applied to solve this problem, in other words, ARM is an application of CMM. There may be other applications of CMM but here I focus on ARM.</a:t>
                 </a:r>
               </a:p>
@@ -4742,11 +4699,7 @@
                 </a:r>
                 <a:r>
                   <a:rPr lang="en-US" sz="2000" dirty="0"/>
-                  <a:t>, a linear regression function is defined </a:t>
-                </a:r>
-                <a:r>
-                  <a:rPr lang="en-US" sz="2000" dirty="0" smtClean="0"/>
-                  <a:t>as</a:t>
+                  <a:t>, a linear regression function is defined as</a:t>
                 </a:r>
               </a:p>
               <a:p>
@@ -4913,7 +4866,7 @@
                     </m:oMath>
                   </m:oMathPara>
                 </a14:m>
-                <a:endParaRPr lang="en-US" sz="2000" dirty="0" smtClean="0"/>
+                <a:endParaRPr lang="en-US" sz="2000" dirty="0"/>
               </a:p>
               <a:p>
                 <a:pPr marL="0" indent="0">
@@ -4957,11 +4910,7 @@
                 </a:r>
                 <a:r>
                   <a:rPr lang="en-US" sz="2000" dirty="0"/>
-                  <a:t> distribution, as follows</a:t>
-                </a:r>
-                <a:r>
-                  <a:rPr lang="en-US" sz="2000" dirty="0" smtClean="0"/>
-                  <a:t>:</a:t>
+                  <a:t> distribution, as follows:</a:t>
                 </a:r>
               </a:p>
               <a:p>
@@ -5341,13 +5290,13 @@
                     </m:oMath>
                   </m:oMathPara>
                 </a14:m>
-                <a:endParaRPr lang="en-US" sz="2000" dirty="0" smtClean="0"/>
+                <a:endParaRPr lang="en-US" sz="2000" dirty="0"/>
               </a:p>
               <a:p>
                 <a:pPr marL="0" indent="0">
                   <a:buNone/>
                 </a:pPr>
-                <a:endParaRPr lang="en-US" sz="2000" dirty="0" smtClean="0"/>
+                <a:endParaRPr lang="en-US" sz="2000" dirty="0"/>
               </a:p>
               <a:p>
                 <a:pPr marL="0" indent="0">
@@ -5412,10 +5361,9 @@
           <a:lstStyle/>
           <a:p>
             <a:r>
-              <a:rPr lang="en-US" smtClean="0"/>
+              <a:rPr lang="en-US"/>
               <a:t>1/18/2024</a:t>
             </a:r>
-            <a:endParaRPr lang="en-US"/>
           </a:p>
         </p:txBody>
       </p:sp>
@@ -5435,10 +5383,9 @@
           <a:lstStyle/>
           <a:p>
             <a:r>
-              <a:rPr lang="en-US" smtClean="0"/>
+              <a:rPr lang="en-US"/>
               <a:t>CMM - Loc Nguyen</a:t>
             </a:r>
-            <a:endParaRPr lang="en-US"/>
           </a:p>
         </p:txBody>
       </p:sp>
@@ -5546,7 +5493,7 @@
                   <a:buNone/>
                 </a:pPr>
                 <a:r>
-                  <a:rPr lang="en-US" sz="2100" dirty="0" smtClean="0"/>
+                  <a:rPr lang="en-US" sz="2100" dirty="0"/>
                   <a:t>Where </a:t>
                 </a:r>
                 <a:r>
@@ -6272,11 +6219,7 @@
                 </a14:m>
                 <a:r>
                   <a:rPr lang="en-US" sz="2100" dirty="0"/>
-                  <a:t> as follows</a:t>
-                </a:r>
-                <a:r>
-                  <a:rPr lang="en-US" sz="2100" dirty="0" smtClean="0"/>
-                  <a:t>:</a:t>
+                  <a:t> as follows:</a:t>
                 </a:r>
               </a:p>
               <a:p>
@@ -6886,16 +6829,12 @@
                     </m:oMath>
                   </m:oMathPara>
                 </a14:m>
-                <a:endParaRPr lang="en-US" sz="2100" dirty="0" smtClean="0"/>
+                <a:endParaRPr lang="en-US" sz="2100" dirty="0"/>
               </a:p>
               <a:p>
                 <a:pPr marL="0" indent="0">
                   <a:buNone/>
                 </a:pPr>
-                <a:r>
-                  <a:rPr lang="en-US" sz="2100" dirty="0"/>
-                  <a:t/>
-                </a:r>
                 <a:br>
                   <a:rPr lang="en-US" sz="2100" dirty="0"/>
                 </a:br>
@@ -6958,10 +6897,9 @@
           <a:lstStyle/>
           <a:p>
             <a:r>
-              <a:rPr lang="en-US" smtClean="0"/>
+              <a:rPr lang="en-US"/>
               <a:t>1/18/2024</a:t>
             </a:r>
-            <a:endParaRPr lang="en-US"/>
           </a:p>
         </p:txBody>
       </p:sp>
@@ -6981,10 +6919,9 @@
           <a:lstStyle/>
           <a:p>
             <a:r>
-              <a:rPr lang="en-US" smtClean="0"/>
+              <a:rPr lang="en-US"/>
               <a:t>CMM - Loc Nguyen</a:t>
             </a:r>
-            <a:endParaRPr lang="en-US"/>
           </a:p>
         </p:txBody>
       </p:sp>
@@ -7092,7 +7029,7 @@
                   <a:buNone/>
                 </a:pPr>
                 <a:r>
-                  <a:rPr lang="en-US" sz="2150" dirty="0" smtClean="0"/>
+                  <a:rPr lang="en-US" sz="2150" dirty="0"/>
                   <a:t>When applying EM to estimate Θ, by following equation 2.3, the </a:t>
                 </a:r>
                 <a:r>
@@ -7117,11 +7054,7 @@
                 </a:r>
                 <a:r>
                   <a:rPr lang="en-US" sz="2150" dirty="0"/>
-                  <a:t>) for ARM is re-defined as follows</a:t>
-                </a:r>
-                <a:r>
-                  <a:rPr lang="en-US" sz="2150" dirty="0" smtClean="0"/>
-                  <a:t>:</a:t>
+                  <a:t>) for ARM is re-defined as follows:</a:t>
                 </a:r>
               </a:p>
               <a:p>
@@ -7656,7 +7589,7 @@
                     </m:oMath>
                   </m:oMathPara>
                 </a14:m>
-                <a:endParaRPr lang="en-US" sz="2150" dirty="0" smtClean="0"/>
+                <a:endParaRPr lang="en-US" sz="2150" dirty="0"/>
               </a:p>
               <a:p>
                 <a:pPr marL="0" indent="0">
@@ -7664,11 +7597,7 @@
                 </a:pPr>
                 <a:r>
                   <a:rPr lang="en-US" sz="2150" dirty="0"/>
-                  <a:t>Where</a:t>
-                </a:r>
-                <a:r>
-                  <a:rPr lang="en-US" sz="2150" dirty="0" smtClean="0"/>
-                  <a:t>,</a:t>
+                  <a:t>Where,</a:t>
                 </a:r>
               </a:p>
               <a:p>
@@ -8377,7 +8306,7 @@
                     </m:oMath>
                   </m:oMathPara>
                 </a14:m>
-                <a:endParaRPr lang="en-US" sz="2150" dirty="0" smtClean="0"/>
+                <a:endParaRPr lang="en-US" sz="2150" dirty="0"/>
               </a:p>
               <a:p>
                 <a:pPr marL="0" indent="0">
@@ -8535,15 +8464,7 @@
                 </a:r>
                 <a:r>
                   <a:rPr lang="en-US" sz="2150" dirty="0"/>
-                  <a:t> clusters</a:t>
-                </a:r>
-                <a:r>
-                  <a:rPr lang="en-US" sz="2150" dirty="0" smtClean="0"/>
-                  <a:t>.</a:t>
-                </a:r>
-                <a:r>
-                  <a:rPr lang="en-US" sz="2150" dirty="0"/>
-                  <a:t> The function </a:t>
+                  <a:t> clusters. The function </a:t>
                 </a:r>
                 <a:r>
                   <a:rPr lang="en-US" sz="2150" i="1" dirty="0" err="1"/>
@@ -8602,7 +8523,7 @@
                   <a:t>y</a:t>
                 </a:r>
                 <a:r>
-                  <a:rPr lang="en-US" sz="2150" dirty="0" smtClean="0"/>
+                  <a:rPr lang="en-US" sz="2150" dirty="0"/>
                   <a:t>.</a:t>
                 </a:r>
               </a:p>
@@ -9150,10 +9071,9 @@
           <a:lstStyle/>
           <a:p>
             <a:r>
-              <a:rPr lang="en-US" smtClean="0"/>
+              <a:rPr lang="en-US"/>
               <a:t>1/18/2024</a:t>
             </a:r>
-            <a:endParaRPr lang="en-US"/>
           </a:p>
         </p:txBody>
       </p:sp>
@@ -9173,10 +9093,9 @@
           <a:lstStyle/>
           <a:p>
             <a:r>
-              <a:rPr lang="en-US" smtClean="0"/>
+              <a:rPr lang="en-US"/>
               <a:t>CMM - Loc Nguyen</a:t>
             </a:r>
-            <a:endParaRPr lang="en-US"/>
           </a:p>
         </p:txBody>
       </p:sp>
@@ -9284,7 +9203,7 @@
                   <a:buNone/>
                 </a:pPr>
                 <a:r>
-                  <a:rPr lang="en-US" sz="2050" dirty="0" smtClean="0"/>
+                  <a:rPr lang="en-US" sz="2050" dirty="0"/>
                   <a:t>Obviously, we have:</a:t>
                 </a:r>
               </a:p>
@@ -9793,7 +9712,7 @@
                     </m:oMath>
                   </m:oMathPara>
                 </a14:m>
-                <a:endParaRPr lang="en-US" sz="2050" dirty="0" smtClean="0"/>
+                <a:endParaRPr lang="en-US" sz="2050" dirty="0"/>
               </a:p>
               <a:p>
                 <a:pPr marL="0" indent="0">
@@ -9861,11 +9780,7 @@
                 </a:r>
                 <a:r>
                   <a:rPr lang="en-US" sz="2050" dirty="0"/>
-                  <a:t> PDF as follows</a:t>
-                </a:r>
-                <a:r>
-                  <a:rPr lang="en-US" sz="2050" dirty="0" smtClean="0"/>
-                  <a:t>:</a:t>
+                  <a:t> PDF as follows:</a:t>
                 </a:r>
               </a:p>
               <a:p>
@@ -10443,7 +10358,7 @@
                     </m:oMath>
                   </m:oMathPara>
                 </a14:m>
-                <a:endParaRPr lang="en-US" sz="2050" dirty="0" smtClean="0"/>
+                <a:endParaRPr lang="en-US" sz="2050" dirty="0"/>
               </a:p>
               <a:p>
                 <a:pPr marL="0" indent="0">
@@ -10687,15 +10602,7 @@
                 </a:r>
                 <a:r>
                   <a:rPr lang="en-US" sz="2050" dirty="0"/>
-                  <a:t>) with regard to Θ to be zero</a:t>
-                </a:r>
-                <a:r>
-                  <a:rPr lang="en-US" sz="2050" dirty="0" smtClean="0"/>
-                  <a:t>. The </a:t>
-                </a:r>
-                <a:r>
-                  <a:rPr lang="en-US" sz="2050" dirty="0"/>
-                  <a:t>first-order partial derivative of </a:t>
+                  <a:t>) with regard to Θ to be zero. The first-order partial derivative of </a:t>
                 </a:r>
                 <a:r>
                   <a:rPr lang="en-US" sz="2050" i="1" dirty="0"/>
@@ -11626,10 +11533,9 @@
           <a:lstStyle/>
           <a:p>
             <a:r>
-              <a:rPr lang="en-US" smtClean="0"/>
+              <a:rPr lang="en-US"/>
               <a:t>1/18/2024</a:t>
             </a:r>
-            <a:endParaRPr lang="en-US"/>
           </a:p>
         </p:txBody>
       </p:sp>
@@ -11649,10 +11555,9 @@
           <a:lstStyle/>
           <a:p>
             <a:r>
-              <a:rPr lang="en-US" smtClean="0"/>
+              <a:rPr lang="en-US"/>
               <a:t>CMM - Loc Nguyen</a:t>
             </a:r>
-            <a:endParaRPr lang="en-US"/>
           </a:p>
         </p:txBody>
       </p:sp>
@@ -11760,7 +11665,7 @@
                   <a:buNone/>
                 </a:pPr>
                 <a:r>
-                  <a:rPr lang="en-US" sz="2200" dirty="0" smtClean="0"/>
+                  <a:rPr lang="en-US" sz="2200" dirty="0"/>
                   <a:t>By referring (Nguyen &amp; </a:t>
                 </a:r>
                 <a:r>
@@ -11957,18 +11862,14 @@
                 </a:r>
                 <a:r>
                   <a:rPr lang="en-US" sz="2200" dirty="0"/>
-                  <a:t> is zero vector, as follows</a:t>
-                </a:r>
-                <a:r>
-                  <a:rPr lang="en-US" sz="2200" dirty="0" smtClean="0"/>
-                  <a:t>:</a:t>
+                  <a:t> is zero vector, as follows:</a:t>
                 </a:r>
               </a:p>
               <a:p>
                 <a:pPr marL="0" indent="0">
                   <a:buNone/>
                 </a:pPr>
-                <a:endParaRPr lang="en-US" sz="2200" dirty="0" smtClean="0"/>
+                <a:endParaRPr lang="en-US" sz="2200" dirty="0"/>
               </a:p>
               <a:p>
                 <a:pPr marL="0" indent="0">
@@ -12230,7 +12131,7 @@
                     </m:oMath>
                   </m:oMathPara>
                 </a14:m>
-                <a:endParaRPr lang="en-US" sz="2200" dirty="0" smtClean="0"/>
+                <a:endParaRPr lang="en-US" sz="2200" dirty="0"/>
               </a:p>
             </p:txBody>
           </p:sp>
@@ -12289,10 +12190,9 @@
           <a:lstStyle/>
           <a:p>
             <a:r>
-              <a:rPr lang="en-US" smtClean="0"/>
+              <a:rPr lang="en-US"/>
               <a:t>1/18/2024</a:t>
             </a:r>
-            <a:endParaRPr lang="en-US"/>
           </a:p>
         </p:txBody>
       </p:sp>
@@ -12312,10 +12212,9 @@
           <a:lstStyle/>
           <a:p>
             <a:r>
-              <a:rPr lang="en-US" smtClean="0"/>
+              <a:rPr lang="en-US"/>
               <a:t>CMM - Loc Nguyen</a:t>
             </a:r>
-            <a:endParaRPr lang="en-US"/>
           </a:p>
         </p:txBody>
       </p:sp>
@@ -12536,7 +12435,7 @@
                   <a:buNone/>
                 </a:pPr>
                 <a:r>
-                  <a:rPr lang="en-US" sz="2200" dirty="0" smtClean="0"/>
+                  <a:rPr lang="en-US" sz="2200" dirty="0"/>
                   <a:t>Where,</a:t>
                 </a:r>
               </a:p>
@@ -13638,7 +13537,7 @@
                     </m:oMath>
                   </m:oMathPara>
                 </a14:m>
-                <a:endParaRPr lang="en-US" sz="2200" dirty="0" smtClean="0"/>
+                <a:endParaRPr lang="en-US" sz="2200" dirty="0"/>
               </a:p>
               <a:p>
                 <a:pPr marL="0" indent="0">
@@ -14648,7 +14547,7 @@
                   <a:buNone/>
                 </a:pPr>
                 <a:r>
-                  <a:rPr lang="en-US" sz="1950" dirty="0" smtClean="0"/>
+                  <a:rPr lang="en-US" sz="1950" dirty="0"/>
                   <a:t>The first-order partial derivative of </a:t>
                 </a:r>
                 <a:r>
@@ -14689,11 +14588,7 @@
                 </a:r>
                 <a:r>
                   <a:rPr lang="en-US" sz="1950" dirty="0"/>
-                  <a:t> is</a:t>
-                </a:r>
-                <a:r>
-                  <a:rPr lang="en-US" sz="1950" dirty="0" smtClean="0"/>
-                  <a:t>:</a:t>
+                  <a:t> is:</a:t>
                 </a:r>
               </a:p>
               <a:p>
@@ -15510,11 +15405,7 @@
                 </a14:m>
                 <a:r>
                   <a:rPr lang="en-US" sz="1950" dirty="0"/>
-                  <a:t> is</a:t>
-                </a:r>
-                <a:r>
-                  <a:rPr lang="en-US" sz="1950" dirty="0" smtClean="0"/>
-                  <a:t>:</a:t>
+                  <a:t> is:</a:t>
                 </a:r>
               </a:p>
               <a:p>
@@ -16140,7 +16031,7 @@
                     </m:oMath>
                   </m:oMathPara>
                 </a14:m>
-                <a:endParaRPr lang="en-US" sz="1950" dirty="0" smtClean="0"/>
+                <a:endParaRPr lang="en-US" sz="1950" dirty="0"/>
               </a:p>
               <a:p>
                 <a:pPr marL="0" indent="0">
@@ -16963,7 +16854,7 @@
                     </m:oMath>
                   </m:oMathPara>
                 </a14:m>
-                <a:endParaRPr lang="en-US" sz="1950" dirty="0" smtClean="0"/>
+                <a:endParaRPr lang="en-US" sz="1950" dirty="0"/>
               </a:p>
               <a:p>
                 <a:pPr marL="0" indent="0">
@@ -17151,11 +17042,7 @@
                 </a14:m>
                 <a:r>
                   <a:rPr lang="en-US" sz="1950" dirty="0"/>
-                  <a:t> is</a:t>
-                </a:r>
-                <a:r>
-                  <a:rPr lang="en-US" sz="1950" dirty="0" smtClean="0"/>
-                  <a:t>:</a:t>
+                  <a:t> is:</a:t>
                 </a:r>
               </a:p>
               <a:p>
@@ -17669,10 +17556,9 @@
           <a:lstStyle/>
           <a:p>
             <a:r>
-              <a:rPr lang="en-US" smtClean="0"/>
+              <a:rPr lang="en-US"/>
               <a:t>1/18/2024</a:t>
             </a:r>
-            <a:endParaRPr lang="en-US"/>
           </a:p>
         </p:txBody>
       </p:sp>
@@ -17692,10 +17578,9 @@
           <a:lstStyle/>
           <a:p>
             <a:r>
-              <a:rPr lang="en-US" smtClean="0"/>
+              <a:rPr lang="en-US"/>
               <a:t>CMM - Loc Nguyen</a:t>
             </a:r>
-            <a:endParaRPr lang="en-US"/>
           </a:p>
         </p:txBody>
       </p:sp>
@@ -17803,7 +17688,7 @@
                   <a:buNone/>
                 </a:pPr>
                 <a:r>
-                  <a:rPr lang="en-US" sz="2200" dirty="0" smtClean="0"/>
+                  <a:rPr lang="en-US" sz="2200" dirty="0"/>
                   <a:t>The first-order partial derivative of </a:t>
                 </a:r>
                 <a:r>
@@ -19032,11 +18917,7 @@
                 </a:r>
                 <a:r>
                   <a:rPr lang="en-US" sz="2200" dirty="0"/>
-                  <a:t>) is zero matrix is</a:t>
-                </a:r>
-                <a:r>
-                  <a:rPr lang="en-US" sz="2200" dirty="0" smtClean="0"/>
-                  <a:t>:</a:t>
+                  <a:t>) is zero matrix is:</a:t>
                 </a:r>
               </a:p>
               <a:p>
@@ -19683,7 +19564,7 @@
                     </m:oMath>
                   </m:oMathPara>
                 </a14:m>
-                <a:endParaRPr lang="en-US" sz="2200" dirty="0" smtClean="0"/>
+                <a:endParaRPr lang="en-US" sz="2200" dirty="0"/>
               </a:p>
               <a:p>
                 <a:pPr marL="0" indent="0">
@@ -19775,10 +19656,9 @@
           <a:lstStyle/>
           <a:p>
             <a:r>
-              <a:rPr lang="en-US" smtClean="0"/>
+              <a:rPr lang="en-US"/>
               <a:t>1/18/2024</a:t>
             </a:r>
-            <a:endParaRPr lang="en-US"/>
           </a:p>
         </p:txBody>
       </p:sp>
@@ -19798,10 +19678,9 @@
           <a:lstStyle/>
           <a:p>
             <a:r>
-              <a:rPr lang="en-US" smtClean="0"/>
+              <a:rPr lang="en-US"/>
               <a:t>CMM - Loc Nguyen</a:t>
             </a:r>
-            <a:endParaRPr lang="en-US"/>
           </a:p>
         </p:txBody>
       </p:sp>
@@ -21194,10 +21073,9 @@
           <a:lstStyle/>
           <a:p>
             <a:r>
-              <a:rPr lang="en-US" smtClean="0"/>
+              <a:rPr lang="en-US"/>
               <a:t>1/18/2024</a:t>
             </a:r>
-            <a:endParaRPr lang="en-US"/>
           </a:p>
         </p:txBody>
       </p:sp>
@@ -21217,10 +21095,9 @@
           <a:lstStyle/>
           <a:p>
             <a:r>
-              <a:rPr lang="en-US" smtClean="0"/>
+              <a:rPr lang="en-US"/>
               <a:t>CMM - Loc Nguyen</a:t>
             </a:r>
-            <a:endParaRPr lang="en-US"/>
           </a:p>
         </p:txBody>
       </p:sp>
@@ -21534,39 +21411,7 @@
                 </a:r>
                 <a:r>
                   <a:rPr lang="en-US" sz="2000" dirty="0"/>
-                  <a:t>) with subject to Θ, is calculated by </a:t>
-                </a:r>
-                <a:r>
-                  <a:rPr lang="en-US" sz="2000" dirty="0" smtClean="0"/>
-                  <a:t>equations </a:t>
-                </a:r>
-                <a:r>
-                  <a:rPr lang="en-US" sz="2000" dirty="0"/>
-                  <a:t>3.19, </a:t>
-                </a:r>
-                <a:r>
-                  <a:rPr lang="en-US" sz="2000" dirty="0" smtClean="0"/>
-                  <a:t>3.12</a:t>
-                </a:r>
-                <a:r>
-                  <a:rPr lang="en-US" sz="2000" dirty="0"/>
-                  <a:t>, , </a:t>
-                </a:r>
-                <a:r>
-                  <a:rPr lang="en-US" sz="2000" dirty="0" smtClean="0"/>
-                  <a:t>3.13</a:t>
-                </a:r>
-                <a:r>
-                  <a:rPr lang="en-US" sz="2000" dirty="0"/>
-                  <a:t>, and </a:t>
-                </a:r>
-                <a:r>
-                  <a:rPr lang="en-US" sz="2000" dirty="0" smtClean="0"/>
-                  <a:t>3.14 </a:t>
-                </a:r>
-                <a:r>
-                  <a:rPr lang="en-US" sz="2000" dirty="0"/>
-                  <a:t>with current parameter Θ</a:t>
+                  <a:t>) with subject to Θ, is calculated by equations 3.19, 3.12, , 3.13, and 3.14 with current parameter Θ</a:t>
                 </a:r>
                 <a:r>
                   <a:rPr lang="en-US" sz="2000" baseline="30000" dirty="0"/>
@@ -23717,10 +23562,9 @@
           <a:lstStyle/>
           <a:p>
             <a:r>
-              <a:rPr lang="en-US" smtClean="0"/>
+              <a:rPr lang="en-US"/>
               <a:t>1/18/2024</a:t>
             </a:r>
-            <a:endParaRPr lang="en-US"/>
           </a:p>
         </p:txBody>
       </p:sp>
@@ -23740,10 +23584,9 @@
           <a:lstStyle/>
           <a:p>
             <a:r>
-              <a:rPr lang="en-US" smtClean="0"/>
+              <a:rPr lang="en-US"/>
               <a:t>CMM - Loc Nguyen</a:t>
             </a:r>
-            <a:endParaRPr lang="en-US"/>
           </a:p>
         </p:txBody>
       </p:sp>
@@ -23823,8 +23666,8 @@
           </a:p>
         </p:txBody>
       </p:sp>
-      <mc:AlternateContent xmlns:mc="http://schemas.openxmlformats.org/markup-compatibility/2006" xmlns:a14="http://schemas.microsoft.com/office/drawing/2010/main">
-        <mc:Choice Requires="a14">
+      <mc:AlternateContent xmlns:mc="http://schemas.openxmlformats.org/markup-compatibility/2006">
+        <mc:Choice xmlns:a14="http://schemas.microsoft.com/office/drawing/2010/main" Requires="a14">
           <p:sp>
             <p:nvSpPr>
               <p:cNvPr id="3" name="Content Placeholder 2"/>
@@ -23851,7 +23694,7 @@
                   <a:buNone/>
                 </a:pPr>
                 <a:r>
-                  <a:rPr lang="en-US" sz="2200" dirty="0" smtClean="0"/>
+                  <a:rPr lang="en-US" sz="2200" dirty="0"/>
                   <a:t>As a result, ARM is specified by the estimate Θ</a:t>
                 </a:r>
                 <a:r>
@@ -23876,7 +23719,15 @@
                 </a:r>
                 <a:r>
                   <a:rPr lang="en-US" sz="2200" dirty="0"/>
-                  <a:t>, ARM select the best cluster </a:t>
+                  <a:t>, </a:t>
+                </a:r>
+                <a:r>
+                  <a:rPr lang="en-US" sz="2200"/>
+                  <a:t>ARM selects </a:t>
+                </a:r>
+                <a:r>
+                  <a:rPr lang="en-US" sz="2200" dirty="0"/>
+                  <a:t>the best cluster </a:t>
                 </a:r>
                 <a:r>
                   <a:rPr lang="en-US" sz="2200" i="1" dirty="0"/>
@@ -23920,11 +23771,7 @@
                 </a:r>
                 <a:r>
                   <a:rPr lang="en-US" sz="2200" dirty="0"/>
-                  <a:t>) is maximal, as follows</a:t>
-                </a:r>
-                <a:r>
-                  <a:rPr lang="en-US" sz="2200" dirty="0" smtClean="0"/>
-                  <a:t>:</a:t>
+                  <a:t>) is maximal, as follows:</a:t>
                 </a:r>
               </a:p>
               <a:p>
@@ -24093,7 +23940,7 @@
                     </m:oMath>
                   </m:oMathPara>
                 </a14:m>
-                <a:endParaRPr lang="en-US" sz="2200" dirty="0" smtClean="0"/>
+                <a:endParaRPr lang="en-US" sz="2200" dirty="0"/>
               </a:p>
               <a:p>
                 <a:pPr marL="0" indent="0">
@@ -24133,11 +23980,7 @@
                 </a:r>
                 <a:r>
                   <a:rPr lang="en-US" sz="2200" dirty="0"/>
-                  <a:t> as follows</a:t>
-                </a:r>
-                <a:r>
-                  <a:rPr lang="en-US" sz="2200" dirty="0" smtClean="0"/>
-                  <a:t>:</a:t>
+                  <a:t> as follows:</a:t>
                 </a:r>
               </a:p>
               <a:p>
@@ -24401,7 +24244,7 @@
                     </m:oMath>
                   </m:oMathPara>
                 </a14:m>
-                <a:endParaRPr lang="en-US" sz="2200" dirty="0" smtClean="0"/>
+                <a:endParaRPr lang="en-US" sz="2200" dirty="0"/>
               </a:p>
               <a:p>
                 <a:pPr marL="0" indent="0">
@@ -24425,11 +24268,7 @@
                 </a:r>
                 <a:r>
                   <a:rPr lang="en-US" sz="2200" dirty="0"/>
-                  <a:t> as follows</a:t>
-                </a:r>
-                <a:r>
-                  <a:rPr lang="en-US" sz="2200" dirty="0" smtClean="0"/>
-                  <a:t>:</a:t>
+                  <a:t> as follows:</a:t>
                 </a:r>
               </a:p>
               <a:p>
@@ -25169,7 +25008,7 @@
                     </m:oMath>
                   </m:oMathPara>
                 </a14:m>
-                <a:endParaRPr lang="en-US" sz="2000" dirty="0" smtClean="0"/>
+                <a:endParaRPr lang="en-US" sz="2000" dirty="0"/>
               </a:p>
               <a:p>
                 <a:pPr marL="0" indent="0">
@@ -25183,7 +25022,7 @@
             </p:txBody>
           </p:sp>
         </mc:Choice>
-        <mc:Fallback xmlns="">
+        <mc:Fallback>
           <p:sp>
             <p:nvSpPr>
               <p:cNvPr id="3" name="Content Placeholder 2"/>
@@ -25237,10 +25076,9 @@
           <a:lstStyle/>
           <a:p>
             <a:r>
-              <a:rPr lang="en-US" smtClean="0"/>
+              <a:rPr lang="en-US"/>
               <a:t>1/18/2024</a:t>
             </a:r>
-            <a:endParaRPr lang="en-US"/>
           </a:p>
         </p:txBody>
       </p:sp>
@@ -25260,10 +25098,9 @@
           <a:lstStyle/>
           <a:p>
             <a:r>
-              <a:rPr lang="en-US" smtClean="0"/>
+              <a:rPr lang="en-US"/>
               <a:t>CMM - Loc Nguyen</a:t>
             </a:r>
-            <a:endParaRPr lang="en-US"/>
           </a:p>
         </p:txBody>
       </p:sp>
@@ -25373,16 +25210,12 @@
               <a:t>Expectation maximization (EM) algorithm is a powerful mathematical tool for estimating statistical parameter when data sample contains hidden part and observed part. EM is applied to learn finite mixture model in which the whole distribution of observed variable is average sum of partial distributions. Coverage ratio of every partial distribution is specified by the probability of hidden variable. An application of mixture model is soft clustering in which cluster is modeled by hidden variable whereas each data point can be assigned to more than one cluster and degree of such assignment is represented by the probability of hidden variable. However, such probability in traditional mixture model is simplified as a parameter, which can cause loss of valuable information. Therefore, in this research I propose a so-called conditional mixture model (CMM) in which the probability of hidden variable is modeled as a full probabilistic density function (PDF) that owns individual parameter. CMM aims to extend mixture model. I also propose an application of CMM which is called adaptive regression model (ARM). Traditional regression model is effective when data sample is scattered equally. If data points are grouped into clusters, regression model tries to learn a unified regression function which goes through all data points. Obviously, such unified function is not effective to evaluate response variable based on grouped data points. The concept “adaptive” of ARM means that ARM solves the ineffectiveness problem by selecting the best cluster of data points firstly and then evaluating response variable within such best cluster. In </a:t>
             </a:r>
             <a:r>
-              <a:rPr lang="en-US" sz="2050" dirty="0" err="1" smtClean="0"/>
+              <a:rPr lang="en-US" sz="2050" dirty="0" err="1"/>
               <a:t>orther</a:t>
             </a:r>
             <a:r>
-              <a:rPr lang="en-US" sz="2050" dirty="0" smtClean="0"/>
-              <a:t> </a:t>
-            </a:r>
-            <a:r>
               <a:rPr lang="en-US" sz="2050" dirty="0"/>
-              <a:t>words, ARM reduces estimation space of regression model so as to gain high accuracy in calculation.</a:t>
+              <a:t> words, ARM reduces estimation space of regression model so as to gain high accuracy in calculation.</a:t>
             </a:r>
           </a:p>
         </p:txBody>
@@ -25427,10 +25260,9 @@
           <a:lstStyle/>
           <a:p>
             <a:r>
-              <a:rPr lang="en-US" smtClean="0"/>
+              <a:rPr lang="en-US"/>
               <a:t>CMM - Loc Nguyen</a:t>
             </a:r>
-            <a:endParaRPr lang="en-US"/>
           </a:p>
         </p:txBody>
       </p:sp>
@@ -25450,10 +25282,9 @@
           <a:lstStyle/>
           <a:p>
             <a:r>
-              <a:rPr lang="en-US" smtClean="0"/>
+              <a:rPr lang="en-US"/>
               <a:t>1/18/2024</a:t>
             </a:r>
-            <a:endParaRPr lang="en-US"/>
           </a:p>
         </p:txBody>
       </p:sp>
@@ -25531,7 +25362,7 @@
             </a:pPr>
             <a:r>
               <a:rPr lang="en-US" sz="2600" dirty="0"/>
-              <a:t>The main ideology of CMM is to improve competence of mixture model, in which the probability of hidden variable is turned back its original form of PDF with full of parameters. As a result, its application ARM takes advantages of such hidden parameters in order to select best group or best cluster for making prediction of response value. In order words, ARM reduces estimation space of regression model so as to gain high accuracy in calculation. However, a new problem raised for CMM as well as ARM is how to pre-define the number </a:t>
+              <a:t>The main ideology of CMM is to improve competence of mixture model, in which the probability of hidden variable is turned back its original form of PDF with full of parameters. As a result, its application ARM takes advantages of such hidden parameters in order to select best group or best cluster for making prediction of response value. In other words, ARM reduces estimation space of regression model so as to gain high accuracy in calculation. However, a new problem raised for CMM as well as ARM is how to pre-define the number </a:t>
             </a:r>
             <a:r>
               <a:rPr lang="en-US" sz="2600" i="1" dirty="0"/>
@@ -25562,12 +25393,8 @@
               <a:t>K</a:t>
             </a:r>
             <a:r>
-              <a:rPr lang="en-US" sz="2600" dirty="0" smtClean="0"/>
-              <a:t>. </a:t>
-            </a:r>
-            <a:r>
               <a:rPr lang="en-US" sz="2600" dirty="0"/>
-              <a:t>Alternately, CMM can be improved or modified so that the number of clusters is updated in runtime (Nguyen &amp; </a:t>
+              <a:t>. Alternately, CMM can be improved or modified so that the number of clusters is updated in runtime (Nguyen &amp; </a:t>
             </a:r>
             <a:r>
               <a:rPr lang="en-US" sz="2600" dirty="0" err="1"/>
@@ -25612,10 +25439,9 @@
           <a:lstStyle/>
           <a:p>
             <a:r>
-              <a:rPr lang="en-US" smtClean="0"/>
+              <a:rPr lang="en-US"/>
               <a:t>1/18/2024</a:t>
             </a:r>
-            <a:endParaRPr lang="en-US"/>
           </a:p>
         </p:txBody>
       </p:sp>
@@ -25635,10 +25461,9 @@
           <a:lstStyle/>
           <a:p>
             <a:r>
-              <a:rPr lang="en-US" smtClean="0"/>
+              <a:rPr lang="en-US"/>
               <a:t>CMM - Loc Nguyen</a:t>
             </a:r>
-            <a:endParaRPr lang="en-US"/>
           </a:p>
         </p:txBody>
       </p:sp>
@@ -25848,10 +25673,9 @@
           <a:lstStyle/>
           <a:p>
             <a:r>
-              <a:rPr lang="en-US" smtClean="0"/>
+              <a:rPr lang="en-US"/>
               <a:t>1/18/2024</a:t>
             </a:r>
-            <a:endParaRPr lang="en-US"/>
           </a:p>
         </p:txBody>
       </p:sp>
@@ -25871,10 +25695,9 @@
           <a:lstStyle/>
           <a:p>
             <a:r>
-              <a:rPr lang="en-US" smtClean="0"/>
+              <a:rPr lang="en-US"/>
               <a:t>CMM - Loc Nguyen</a:t>
             </a:r>
-            <a:endParaRPr lang="en-US"/>
           </a:p>
         </p:txBody>
       </p:sp>
@@ -25957,13 +25780,8 @@
             <a:pPr algn="ctr"/>
             <a:r>
               <a:rPr lang="en-US" sz="5000" dirty="0"/>
-              <a:t>Thank you for </a:t>
+              <a:t>Thank you for listening</a:t>
             </a:r>
-            <a:r>
-              <a:rPr lang="en-US" sz="5000" dirty="0" smtClean="0"/>
-              <a:t>listening</a:t>
-            </a:r>
-            <a:endParaRPr lang="en-US" sz="5000" dirty="0"/>
           </a:p>
         </p:txBody>
       </p:sp>
@@ -26007,10 +25825,9 @@
           <a:lstStyle/>
           <a:p>
             <a:r>
-              <a:rPr lang="en-US" smtClean="0"/>
+              <a:rPr lang="en-US"/>
               <a:t>CMM - Loc Nguyen</a:t>
             </a:r>
-            <a:endParaRPr lang="en-US"/>
           </a:p>
         </p:txBody>
       </p:sp>
@@ -26030,10 +25847,9 @@
           <a:lstStyle/>
           <a:p>
             <a:r>
-              <a:rPr lang="en-US" smtClean="0"/>
+              <a:rPr lang="en-US"/>
               <a:t>1/18/2024</a:t>
             </a:r>
-            <a:endParaRPr lang="en-US"/>
           </a:p>
         </p:txBody>
       </p:sp>
@@ -26185,10 +26001,9 @@
           <a:lstStyle/>
           <a:p>
             <a:r>
-              <a:rPr lang="en-US" smtClean="0"/>
+              <a:rPr lang="en-US"/>
               <a:t>CMM - Loc Nguyen</a:t>
             </a:r>
-            <a:endParaRPr lang="en-US"/>
           </a:p>
         </p:txBody>
       </p:sp>
@@ -26208,10 +26023,9 @@
           <a:lstStyle/>
           <a:p>
             <a:r>
-              <a:rPr lang="en-US" smtClean="0"/>
+              <a:rPr lang="en-US"/>
               <a:t>1/18/2024</a:t>
             </a:r>
-            <a:endParaRPr lang="en-US"/>
           </a:p>
         </p:txBody>
       </p:sp>
@@ -26295,7 +26109,7 @@
                   <a:buNone/>
                 </a:pPr>
                 <a:r>
-                  <a:rPr lang="en-US" sz="1900" dirty="0" smtClean="0"/>
+                  <a:rPr lang="en-US" sz="1900" dirty="0"/>
                   <a:t>Suppose data has two parts such as hidden part </a:t>
                 </a:r>
                 <a:r>
@@ -26494,11 +26308,7 @@
                 </a:r>
                 <a:r>
                   <a:rPr lang="en-US" sz="1900" dirty="0"/>
-                  <a:t>, the two steps are described as follows</a:t>
-                </a:r>
-                <a:r>
-                  <a:rPr lang="en-US" sz="1900" dirty="0" smtClean="0"/>
-                  <a:t>:</a:t>
+                  <a:t>, the two steps are described as follows:</a:t>
                 </a:r>
               </a:p>
               <a:p>
@@ -26510,7 +26320,7 @@
                   <a:t>E-step</a:t>
                 </a:r>
                 <a:r>
-                  <a:rPr lang="en-US" sz="1900" dirty="0" smtClean="0"/>
+                  <a:rPr lang="en-US" sz="1900" dirty="0"/>
                   <a:t>:</a:t>
                 </a:r>
               </a:p>
@@ -26560,11 +26370,7 @@
                 </a:r>
                 <a:r>
                   <a:rPr lang="en-US" sz="1900" dirty="0"/>
-                  <a:t>, according to equation 1.1 (Nguyen, Tutorial on EM tutorial, 2020, p. 50</a:t>
-                </a:r>
-                <a:r>
-                  <a:rPr lang="en-US" sz="1900" dirty="0" smtClean="0"/>
-                  <a:t>).</a:t>
+                  <a:t>, according to equation 1.1 (Nguyen, Tutorial on EM tutorial, 2020, p. 50).</a:t>
                 </a:r>
               </a:p>
               <a:p>
@@ -26928,7 +26734,7 @@
                     </m:oMath>
                   </m:oMathPara>
                 </a14:m>
-                <a:endParaRPr lang="en-US" sz="1900" dirty="0" smtClean="0"/>
+                <a:endParaRPr lang="en-US" sz="1900" dirty="0"/>
               </a:p>
               <a:p>
                 <a:pPr marL="0" indent="0">
@@ -26939,7 +26745,7 @@
                   <a:t>M-step</a:t>
                 </a:r>
                 <a:r>
-                  <a:rPr lang="en-US" sz="1900" dirty="0" smtClean="0"/>
+                  <a:rPr lang="en-US" sz="1900" dirty="0"/>
                   <a:t>:</a:t>
                 </a:r>
               </a:p>
@@ -27021,11 +26827,7 @@
                 </a:r>
                 <a:r>
                   <a:rPr lang="en-US" sz="1900" dirty="0"/>
-                  <a:t> iteration</a:t>
-                </a:r>
-                <a:r>
-                  <a:rPr lang="en-US" sz="1900" dirty="0" smtClean="0"/>
-                  <a:t>).</a:t>
+                  <a:t> iteration).</a:t>
                 </a:r>
               </a:p>
               <a:p>
@@ -27142,10 +26944,9 @@
           <a:lstStyle/>
           <a:p>
             <a:r>
-              <a:rPr lang="en-US" smtClean="0"/>
+              <a:rPr lang="en-US"/>
               <a:t>1/18/2024</a:t>
             </a:r>
-            <a:endParaRPr lang="en-US"/>
           </a:p>
         </p:txBody>
       </p:sp>
@@ -27165,10 +26966,9 @@
           <a:lstStyle/>
           <a:p>
             <a:r>
-              <a:rPr lang="en-US" smtClean="0"/>
+              <a:rPr lang="en-US"/>
               <a:t>CMM - Loc Nguyen</a:t>
             </a:r>
-            <a:endParaRPr lang="en-US"/>
           </a:p>
         </p:txBody>
       </p:sp>
@@ -27276,7 +27076,7 @@
                   <a:buNone/>
                 </a:pPr>
                 <a:r>
-                  <a:rPr lang="en-US" sz="2000" dirty="0" smtClean="0"/>
+                  <a:rPr lang="en-US" sz="2000" dirty="0"/>
                   <a:t>Especially, the random variable </a:t>
                 </a:r>
                 <a:r>
@@ -27389,11 +27189,7 @@
                 </a:r>
                 <a:r>
                   <a:rPr lang="en-US" sz="2000" dirty="0"/>
-                  <a:t>, as follows</a:t>
-                </a:r>
-                <a:r>
-                  <a:rPr lang="en-US" sz="2000" dirty="0" smtClean="0"/>
-                  <a:t>:</a:t>
+                  <a:t>, as follows:</a:t>
                 </a:r>
               </a:p>
               <a:p>
@@ -27601,7 +27397,7 @@
                     </m:oMath>
                   </m:oMathPara>
                 </a14:m>
-                <a:endParaRPr lang="en-US" sz="2000" dirty="0" smtClean="0"/>
+                <a:endParaRPr lang="en-US" sz="2000" dirty="0"/>
               </a:p>
               <a:p>
                 <a:pPr marL="0" indent="0">
@@ -27609,11 +27405,7 @@
                 </a:pPr>
                 <a:r>
                   <a:rPr lang="en-US" sz="2000" dirty="0"/>
-                  <a:t>Where</a:t>
-                </a:r>
-                <a:r>
-                  <a:rPr lang="en-US" sz="2000" dirty="0" smtClean="0"/>
-                  <a:t>,</a:t>
+                  <a:t>Where,</a:t>
                 </a:r>
               </a:p>
               <a:p>
@@ -27942,7 +27734,7 @@
                   <a:buNone/>
                 </a:pPr>
                 <a:r>
-                  <a:rPr lang="en-US" sz="2000" dirty="0" smtClean="0"/>
+                  <a:rPr lang="en-US" sz="2000" dirty="0"/>
                   <a:t>The </a:t>
                 </a:r>
                 <a:r>
@@ -27967,11 +27759,7 @@
                 </a:r>
                 <a:r>
                   <a:rPr lang="en-US" sz="2000" dirty="0"/>
-                  <a:t>) is re-defined for finite mixture model as follows (Nguyen, Tutorial on EM tutorial, 2020, p. 79</a:t>
-                </a:r>
-                <a:r>
-                  <a:rPr lang="en-US" sz="2000" dirty="0" smtClean="0"/>
-                  <a:t>):</a:t>
+                  <a:t>) is re-defined for finite mixture model as follows (Nguyen, Tutorial on EM tutorial, 2020, p. 79):</a:t>
                 </a:r>
               </a:p>
               <a:p>
@@ -28381,14 +28169,14 @@
                     </m:oMath>
                   </m:oMathPara>
                 </a14:m>
-                <a:endParaRPr lang="en-US" sz="2000" dirty="0" smtClean="0"/>
+                <a:endParaRPr lang="en-US" sz="2000" dirty="0"/>
               </a:p>
               <a:p>
                 <a:pPr marL="0" indent="0">
                   <a:buNone/>
                 </a:pPr>
                 <a:r>
-                  <a:rPr lang="en-US" sz="2000" dirty="0" smtClean="0"/>
+                  <a:rPr lang="en-US" sz="2000" dirty="0"/>
                   <a:t>Where,</a:t>
                 </a:r>
               </a:p>
@@ -28938,10 +28726,9 @@
           <a:lstStyle/>
           <a:p>
             <a:r>
-              <a:rPr lang="en-US" smtClean="0"/>
+              <a:rPr lang="en-US"/>
               <a:t>1/18/2024</a:t>
             </a:r>
-            <a:endParaRPr lang="en-US"/>
           </a:p>
         </p:txBody>
       </p:sp>
@@ -28961,10 +28748,9 @@
           <a:lstStyle/>
           <a:p>
             <a:r>
-              <a:rPr lang="en-US" smtClean="0"/>
+              <a:rPr lang="en-US"/>
               <a:t>CMM - Loc Nguyen</a:t>
             </a:r>
-            <a:endParaRPr lang="en-US"/>
           </a:p>
         </p:txBody>
       </p:sp>
@@ -29072,7 +28858,7 @@
                   <a:buNone/>
                 </a:pPr>
                 <a:r>
-                  <a:rPr lang="en-US" sz="2000" dirty="0" smtClean="0"/>
+                  <a:rPr lang="en-US" sz="2000" dirty="0"/>
                   <a:t>If every </a:t>
                 </a:r>
                 <a:r>
@@ -29217,11 +29003,7 @@
                 </a:r>
                 <a:r>
                   <a:rPr lang="en-US" sz="2000" dirty="0"/>
-                  <a:t> as follows (Nguyen, Tutorial on EM tutorial, 2020, p. 85</a:t>
-                </a:r>
-                <a:r>
-                  <a:rPr lang="en-US" sz="2000" dirty="0" smtClean="0"/>
-                  <a:t>):</a:t>
+                  <a:t> as follows (Nguyen, Tutorial on EM tutorial, 2020, p. 85):</a:t>
                 </a:r>
               </a:p>
               <a:p>
@@ -30400,7 +30182,7 @@
                     </m:oMath>
                   </m:oMathPara>
                 </a14:m>
-                <a:endParaRPr lang="en-US" sz="2000" dirty="0" smtClean="0"/>
+                <a:endParaRPr lang="en-US" sz="2000" dirty="0"/>
               </a:p>
               <a:p>
                 <a:pPr marL="0" indent="0">
@@ -30452,15 +30234,7 @@
                 </a:r>
                 <a:r>
                   <a:rPr lang="en-US" sz="2000" dirty="0"/>
-                  <a:t>) is calculated at E-step</a:t>
-                </a:r>
-                <a:r>
-                  <a:rPr lang="en-US" sz="2000" dirty="0" smtClean="0"/>
-                  <a:t>.</a:t>
-                </a:r>
-                <a:r>
-                  <a:rPr lang="en-US" sz="2000" dirty="0"/>
-                  <a:t> In the traditional finite mixture model, the parameter </a:t>
+                  <a:t>) is calculated at E-step. In the traditional finite mixture model, the parameter </a:t>
                 </a:r>
                 <a:r>
                   <a:rPr lang="en-US" sz="2000" i="1" dirty="0"/>
@@ -30616,10 +30390,9 @@
           <a:lstStyle/>
           <a:p>
             <a:r>
-              <a:rPr lang="en-US" smtClean="0"/>
+              <a:rPr lang="en-US"/>
               <a:t>1/18/2024</a:t>
             </a:r>
-            <a:endParaRPr lang="en-US"/>
           </a:p>
         </p:txBody>
       </p:sp>
@@ -30639,10 +30412,9 @@
           <a:lstStyle/>
           <a:p>
             <a:r>
-              <a:rPr lang="en-US" smtClean="0"/>
+              <a:rPr lang="en-US"/>
               <a:t>CMM - Loc Nguyen</a:t>
             </a:r>
-            <a:endParaRPr lang="en-US"/>
           </a:p>
         </p:txBody>
       </p:sp>
@@ -30750,7 +30522,7 @@
                   <a:buNone/>
                 </a:pPr>
                 <a:r>
-                  <a:rPr lang="en-US" sz="2100" dirty="0" smtClean="0"/>
+                  <a:rPr lang="en-US" sz="2100" dirty="0"/>
                   <a:t>Now let </a:t>
                 </a:r>
                 <a:r>
@@ -30783,11 +30555,7 @@
                 </a:r>
                 <a:r>
                   <a:rPr lang="en-US" sz="2100" dirty="0"/>
-                  <a:t> as follows</a:t>
-                </a:r>
-                <a:r>
-                  <a:rPr lang="en-US" sz="2100" dirty="0" smtClean="0"/>
-                  <a:t>:</a:t>
+                  <a:t> as follows:</a:t>
                 </a:r>
               </a:p>
               <a:p>
@@ -31180,7 +30948,7 @@
                     </m:oMath>
                   </m:oMathPara>
                 </a14:m>
-                <a:endParaRPr lang="en-US" sz="2100" dirty="0" smtClean="0"/>
+                <a:endParaRPr lang="en-US" sz="2100" dirty="0"/>
               </a:p>
               <a:p>
                 <a:pPr marL="0" indent="0">
@@ -31521,7 +31289,7 @@
                     </m:oMath>
                   </m:oMathPara>
                 </a14:m>
-                <a:endParaRPr lang="en-US" sz="2100" dirty="0" smtClean="0"/>
+                <a:endParaRPr lang="en-US" sz="2100" dirty="0"/>
               </a:p>
               <a:p>
                 <a:pPr marL="0" indent="0">
@@ -32339,10 +32107,9 @@
           <a:lstStyle/>
           <a:p>
             <a:r>
-              <a:rPr lang="en-US" smtClean="0"/>
+              <a:rPr lang="en-US"/>
               <a:t>1/18/2024</a:t>
             </a:r>
-            <a:endParaRPr lang="en-US"/>
           </a:p>
         </p:txBody>
       </p:sp>
@@ -32362,10 +32129,9 @@
           <a:lstStyle/>
           <a:p>
             <a:r>
-              <a:rPr lang="en-US" smtClean="0"/>
+              <a:rPr lang="en-US"/>
               <a:t>CMM - Loc Nguyen</a:t>
             </a:r>
-            <a:endParaRPr lang="en-US"/>
           </a:p>
         </p:txBody>
       </p:sp>
@@ -32473,7 +32239,7 @@
                   <a:buNone/>
                 </a:pPr>
                 <a:r>
-                  <a:rPr lang="en-US" sz="2000" dirty="0" smtClean="0"/>
+                  <a:rPr lang="en-US" sz="2000" dirty="0"/>
                   <a:t>The quasi-conditional PDF of </a:t>
                 </a:r>
                 <a:r>
@@ -32506,11 +32272,7 @@
                 </a:r>
                 <a:r>
                   <a:rPr lang="en-US" sz="2000" dirty="0"/>
-                  <a:t> as follows</a:t>
-                </a:r>
-                <a:r>
-                  <a:rPr lang="en-US" sz="2000" dirty="0" smtClean="0"/>
-                  <a:t>:</a:t>
+                  <a:t> as follows:</a:t>
                 </a:r>
               </a:p>
               <a:p>
@@ -32798,7 +32560,7 @@
                     </m:oMath>
                   </m:oMathPara>
                 </a14:m>
-                <a:endParaRPr lang="en-US" sz="2000" dirty="0" smtClean="0"/>
+                <a:endParaRPr lang="en-US" sz="2000" dirty="0"/>
               </a:p>
               <a:p>
                 <a:pPr marL="0" indent="0">
@@ -33320,11 +33082,7 @@
                 </a:r>
                 <a:r>
                   <a:rPr lang="en-US" sz="2000" dirty="0"/>
-                  <a:t>) is re-defined as follows</a:t>
-                </a:r>
-                <a:r>
-                  <a:rPr lang="en-US" sz="2000" dirty="0" smtClean="0"/>
-                  <a:t>:</a:t>
+                  <a:t>) is re-defined as follows:</a:t>
                 </a:r>
               </a:p>
               <a:p>
@@ -33859,7 +33617,7 @@
                     </m:oMath>
                   </m:oMathPara>
                 </a14:m>
-                <a:endParaRPr lang="en-US" sz="2000" dirty="0" smtClean="0"/>
+                <a:endParaRPr lang="en-US" sz="2000" dirty="0"/>
               </a:p>
               <a:p>
                 <a:pPr marL="0" indent="0">
@@ -33907,11 +33665,7 @@
                 </a:r>
                 <a:r>
                   <a:rPr lang="en-US" sz="2000" dirty="0"/>
-                  <a:t>) is determined according to Bayes’ rule</a:t>
-                </a:r>
-                <a:r>
-                  <a:rPr lang="en-US" sz="2000" dirty="0" smtClean="0"/>
-                  <a:t>,</a:t>
+                  <a:t>) is determined according to Bayes’ rule,</a:t>
                 </a:r>
               </a:p>
               <a:p>
@@ -34679,10 +34433,9 @@
           <a:lstStyle/>
           <a:p>
             <a:r>
-              <a:rPr lang="en-US" smtClean="0"/>
+              <a:rPr lang="en-US"/>
               <a:t>1/18/2024</a:t>
             </a:r>
-            <a:endParaRPr lang="en-US"/>
           </a:p>
         </p:txBody>
       </p:sp>
@@ -34702,10 +34455,9 @@
           <a:lstStyle/>
           <a:p>
             <a:r>
-              <a:rPr lang="en-US" smtClean="0"/>
+              <a:rPr lang="en-US"/>
               <a:t>CMM - Loc Nguyen</a:t>
             </a:r>
-            <a:endParaRPr lang="en-US"/>
           </a:p>
         </p:txBody>
       </p:sp>
@@ -34813,7 +34565,7 @@
                   <a:buNone/>
                 </a:pPr>
                 <a:r>
-                  <a:rPr lang="en-US" sz="2000" dirty="0" smtClean="0"/>
+                  <a:rPr lang="en-US" sz="2000" dirty="0"/>
                   <a:t>We need to maximize </a:t>
                 </a:r>
                 <a:r>
@@ -35917,11 +35669,7 @@
                 </a:r>
                 <a:r>
                   <a:rPr lang="en-US" sz="2000" dirty="0"/>
-                  <a:t> is solution of the following equation</a:t>
-                </a:r>
-                <a:r>
-                  <a:rPr lang="en-US" sz="2000" dirty="0" smtClean="0"/>
-                  <a:t>:</a:t>
+                  <a:t> is solution of the following equation:</a:t>
                 </a:r>
               </a:p>
               <a:p>
@@ -36729,7 +36477,7 @@
                     </m:oMath>
                   </m:oMathPara>
                 </a14:m>
-                <a:endParaRPr lang="en-US" sz="2000" dirty="0" smtClean="0"/>
+                <a:endParaRPr lang="en-US" sz="2000" dirty="0"/>
               </a:p>
               <a:p>
                 <a:pPr marL="0" indent="0">
@@ -36797,10 +36545,9 @@
           <a:lstStyle/>
           <a:p>
             <a:r>
-              <a:rPr lang="en-US" smtClean="0"/>
+              <a:rPr lang="en-US"/>
               <a:t>1/18/2024</a:t>
             </a:r>
-            <a:endParaRPr lang="en-US"/>
           </a:p>
         </p:txBody>
       </p:sp>
@@ -36820,10 +36567,9 @@
           <a:lstStyle/>
           <a:p>
             <a:r>
-              <a:rPr lang="en-US" smtClean="0"/>
+              <a:rPr lang="en-US"/>
               <a:t>CMM - Loc Nguyen</a:t>
             </a:r>
-            <a:endParaRPr lang="en-US"/>
           </a:p>
         </p:txBody>
       </p:sp>
